--- a/ClassMaterials/CourseEvals/Slides/CourseEvals.pptx
+++ b/ClassMaterials/CourseEvals/Slides/CourseEvals.pptx
@@ -7,14 +7,12 @@
     <p:sldMasterId id="2147483674" r:id="rId3"/>
   </p:sldMasterIdLst>
   <p:notesMasterIdLst>
-    <p:notesMasterId r:id="rId9"/>
+    <p:notesMasterId r:id="rId7"/>
   </p:notesMasterIdLst>
   <p:sldIdLst>
     <p:sldId id="256" r:id="rId4"/>
     <p:sldId id="271" r:id="rId5"/>
-    <p:sldId id="270" r:id="rId6"/>
-    <p:sldId id="272" r:id="rId7"/>
-    <p:sldId id="269" r:id="rId8"/>
+    <p:sldId id="269" r:id="rId6"/>
   </p:sldIdLst>
   <p:sldSz cx="9144000" cy="6858000" type="screen4x3"/>
   <p:notesSz cx="6881813" cy="9296400"/>
@@ -723,7 +721,7 @@
       </p:grpSpPr>
       <p:sp>
         <p:nvSpPr>
-          <p:cNvPr id="184" name="PlaceHolder 1"/>
+          <p:cNvPr id="206" name="PlaceHolder 1"/>
           <p:cNvSpPr>
             <a:spLocks noGrp="1"/>
           </p:cNvSpPr>
@@ -760,7 +758,7 @@
       </p:sp>
       <p:sp>
         <p:nvSpPr>
-          <p:cNvPr id="185" name="TextShape 2"/>
+          <p:cNvPr id="207" name="TextShape 2"/>
           <p:cNvSpPr txBox="1"/>
           <p:nvPr/>
         </p:nvSpPr>
@@ -786,136 +784,8 @@
                 <a:spcPct val="100000"/>
               </a:lnSpc>
             </a:pPr>
-            <a:fld id="{FCE78040-63F1-4F82-A624-363802BCAF6A}" type="slidenum">
+            <a:fld id="{878A602B-68EA-43A7-9D82-A6BDD71CEBA4}" type="slidenum">
               <a:rPr lang="en-US" sz="1200" b="0" strike="noStrike" spc="-1">
-                <a:solidFill>
-                  <a:srgbClr val="000000"/>
-                </a:solidFill>
-                <a:uFill>
-                  <a:solidFill>
-                    <a:srgbClr val="FFFFFF"/>
-                  </a:solidFill>
-                </a:uFill>
-                <a:latin typeface="+mn-lt"/>
-                <a:ea typeface="+mn-ea"/>
-              </a:rPr>
-              <a:t>3</a:t>
-            </a:fld>
-            <a:endParaRPr lang="en-US" sz="1400" b="0" strike="noStrike" spc="-1">
-              <a:solidFill>
-                <a:srgbClr val="000000"/>
-              </a:solidFill>
-              <a:uFill>
-                <a:solidFill>
-                  <a:srgbClr val="FFFFFF"/>
-                </a:solidFill>
-              </a:uFill>
-              <a:latin typeface="Times New Roman"/>
-            </a:endParaRPr>
-          </a:p>
-        </p:txBody>
-      </p:sp>
-    </p:spTree>
-    <p:extLst>
-      <p:ext uri="{BB962C8B-B14F-4D97-AF65-F5344CB8AC3E}">
-        <p14:creationId xmlns:p14="http://schemas.microsoft.com/office/powerpoint/2010/main" val="173032288"/>
-      </p:ext>
-    </p:extLst>
-  </p:cSld>
-  <p:clrMapOvr>
-    <a:masterClrMapping/>
-  </p:clrMapOvr>
-</p:notes>
-</file>
-
-<file path=ppt/notesSlides/notesSlide4.xml><?xml version="1.0" encoding="utf-8"?>
-<p:notes xmlns:a="http://schemas.openxmlformats.org/drawingml/2006/main" xmlns:r="http://schemas.openxmlformats.org/officeDocument/2006/relationships" xmlns:p="http://schemas.openxmlformats.org/presentationml/2006/main">
-  <p:cSld>
-    <p:spTree>
-      <p:nvGrpSpPr>
-        <p:cNvPr id="1" name=""/>
-        <p:cNvGrpSpPr/>
-        <p:nvPr/>
-      </p:nvGrpSpPr>
-      <p:grpSpPr>
-        <a:xfrm>
-          <a:off x="0" y="0"/>
-          <a:ext cx="0" cy="0"/>
-          <a:chOff x="0" y="0"/>
-          <a:chExt cx="0" cy="0"/>
-        </a:xfrm>
-      </p:grpSpPr>
-      <p:sp>
-        <p:nvSpPr>
-          <p:cNvPr id="2" name="Slide Image Placeholder 1"/>
-          <p:cNvSpPr>
-            <a:spLocks noGrp="1" noRot="1" noChangeAspect="1"/>
-          </p:cNvSpPr>
-          <p:nvPr>
-            <p:ph type="sldImg"/>
-          </p:nvPr>
-        </p:nvSpPr>
-        <p:spPr>
-          <a:xfrm>
-            <a:off x="1350963" y="1162050"/>
-            <a:ext cx="4181475" cy="3136900"/>
-          </a:xfrm>
-          <a:prstGeom prst="rect">
-            <a:avLst/>
-          </a:prstGeom>
-          <a:noFill/>
-          <a:ln w="12700">
-            <a:solidFill>
-              <a:prstClr val="black"/>
-            </a:solidFill>
-          </a:ln>
-        </p:spPr>
-      </p:sp>
-      <p:sp>
-        <p:nvSpPr>
-          <p:cNvPr id="3" name="Notes Placeholder 2"/>
-          <p:cNvSpPr>
-            <a:spLocks noGrp="1"/>
-          </p:cNvSpPr>
-          <p:nvPr>
-            <p:ph type="body" idx="1"/>
-          </p:nvPr>
-        </p:nvSpPr>
-        <p:spPr/>
-        <p:txBody>
-          <a:bodyPr/>
-          <a:lstStyle/>
-          <a:p>
-            <a:r>
-              <a:rPr lang="en-US" dirty="0" smtClean="0"/>
-              <a:t>Dress</a:t>
-            </a:r>
-            <a:r>
-              <a:rPr lang="en-US" baseline="0" dirty="0" smtClean="0"/>
-              <a:t> 1 step up form your normal dress level</a:t>
-            </a:r>
-            <a:endParaRPr lang="en-US" dirty="0"/>
-          </a:p>
-        </p:txBody>
-      </p:sp>
-      <p:sp>
-        <p:nvSpPr>
-          <p:cNvPr id="4" name="Slide Number Placeholder 3"/>
-          <p:cNvSpPr>
-            <a:spLocks noGrp="1"/>
-          </p:cNvSpPr>
-          <p:nvPr>
-            <p:ph type="sldNum" idx="10"/>
-          </p:nvPr>
-        </p:nvSpPr>
-        <p:spPr/>
-        <p:txBody>
-          <a:bodyPr/>
-          <a:lstStyle/>
-          <a:p>
-            <a:pPr algn="r"/>
-            <a:fld id="{BD16BAA3-1EA6-4CB4-AA6B-5D86BC97DC42}" type="slidenum">
-              <a:rPr lang="en-US" sz="1400" b="0" strike="noStrike" spc="-1" smtClean="0">
                 <a:solidFill>
                   <a:srgbClr val="000000"/>
                 </a:solidFill>
@@ -926,130 +796,7 @@
                 </a:uFill>
                 <a:latin typeface="Times New Roman"/>
               </a:rPr>
-              <a:t>4</a:t>
-            </a:fld>
-            <a:endParaRPr lang="en-US" sz="1400" b="0" strike="noStrike" spc="-1">
-              <a:solidFill>
-                <a:srgbClr val="000000"/>
-              </a:solidFill>
-              <a:uFill>
-                <a:solidFill>
-                  <a:srgbClr val="FFFFFF"/>
-                </a:solidFill>
-              </a:uFill>
-              <a:latin typeface="Times New Roman"/>
-            </a:endParaRPr>
-          </a:p>
-        </p:txBody>
-      </p:sp>
-    </p:spTree>
-    <p:extLst>
-      <p:ext uri="{BB962C8B-B14F-4D97-AF65-F5344CB8AC3E}">
-        <p14:creationId xmlns:p14="http://schemas.microsoft.com/office/powerpoint/2010/main" val="1272863343"/>
-      </p:ext>
-    </p:extLst>
-  </p:cSld>
-  <p:clrMapOvr>
-    <a:masterClrMapping/>
-  </p:clrMapOvr>
-</p:notes>
-</file>
-
-<file path=ppt/notesSlides/notesSlide5.xml><?xml version="1.0" encoding="utf-8"?>
-<p:notes xmlns:a="http://schemas.openxmlformats.org/drawingml/2006/main" xmlns:r="http://schemas.openxmlformats.org/officeDocument/2006/relationships" xmlns:p="http://schemas.openxmlformats.org/presentationml/2006/main">
-  <p:cSld>
-    <p:spTree>
-      <p:nvGrpSpPr>
-        <p:cNvPr id="1" name=""/>
-        <p:cNvGrpSpPr/>
-        <p:nvPr/>
-      </p:nvGrpSpPr>
-      <p:grpSpPr>
-        <a:xfrm>
-          <a:off x="0" y="0"/>
-          <a:ext cx="0" cy="0"/>
-          <a:chOff x="0" y="0"/>
-          <a:chExt cx="0" cy="0"/>
-        </a:xfrm>
-      </p:grpSpPr>
-      <p:sp>
-        <p:nvSpPr>
-          <p:cNvPr id="206" name="PlaceHolder 1"/>
-          <p:cNvSpPr>
-            <a:spLocks noGrp="1"/>
-          </p:cNvSpPr>
-          <p:nvPr>
-            <p:ph type="body"/>
-          </p:nvPr>
-        </p:nvSpPr>
-        <p:spPr>
-          <a:xfrm>
-            <a:off x="688320" y="4415760"/>
-            <a:ext cx="5505120" cy="4183200"/>
-          </a:xfrm>
-          <a:prstGeom prst="rect">
-            <a:avLst/>
-          </a:prstGeom>
-        </p:spPr>
-        <p:txBody>
-          <a:bodyPr lIns="92520" tIns="46080" rIns="92520" bIns="46080"/>
-          <a:lstStyle/>
-          <a:p>
-            <a:endParaRPr lang="en-US" sz="2000" b="0" strike="noStrike" spc="-1">
-              <a:solidFill>
-                <a:srgbClr val="000000"/>
-              </a:solidFill>
-              <a:uFill>
-                <a:solidFill>
-                  <a:srgbClr val="FFFFFF"/>
-                </a:solidFill>
-              </a:uFill>
-              <a:latin typeface="Arial"/>
-            </a:endParaRPr>
-          </a:p>
-        </p:txBody>
-      </p:sp>
-      <p:sp>
-        <p:nvSpPr>
-          <p:cNvPr id="207" name="TextShape 2"/>
-          <p:cNvSpPr txBox="1"/>
-          <p:nvPr/>
-        </p:nvSpPr>
-        <p:spPr>
-          <a:xfrm>
-            <a:off x="3898080" y="8830080"/>
-            <a:ext cx="2981880" cy="464400"/>
-          </a:xfrm>
-          <a:prstGeom prst="rect">
-            <a:avLst/>
-          </a:prstGeom>
-          <a:noFill/>
-          <a:ln>
-            <a:noFill/>
-          </a:ln>
-        </p:spPr>
-        <p:txBody>
-          <a:bodyPr lIns="92520" tIns="46080" rIns="92520" bIns="46080" anchor="b"/>
-          <a:lstStyle/>
-          <a:p>
-            <a:pPr algn="r">
-              <a:lnSpc>
-                <a:spcPct val="100000"/>
-              </a:lnSpc>
-            </a:pPr>
-            <a:fld id="{878A602B-68EA-43A7-9D82-A6BDD71CEBA4}" type="slidenum">
-              <a:rPr lang="en-US" sz="1200" b="0" strike="noStrike" spc="-1">
-                <a:solidFill>
-                  <a:srgbClr val="000000"/>
-                </a:solidFill>
-                <a:uFill>
-                  <a:solidFill>
-                    <a:srgbClr val="FFFFFF"/>
-                  </a:solidFill>
-                </a:uFill>
-                <a:latin typeface="Times New Roman"/>
-              </a:rPr>
-              <a:t>5</a:t>
+              <a:t>3</a:t>
             </a:fld>
             <a:endParaRPr lang="en-US" sz="1400" b="0" strike="noStrike" spc="-1">
               <a:solidFill>
@@ -8161,7 +7908,7 @@
               </a:lnSpc>
             </a:pPr>
             <a:r>
-              <a:rPr lang="en-US" sz="2500" b="0" strike="noStrike" spc="-1" dirty="0" smtClean="0">
+              <a:rPr lang="en-US" sz="2500" b="0" strike="noStrike" spc="-1" dirty="0">
                 <a:solidFill>
                   <a:srgbClr val="8B8B8B"/>
                 </a:solidFill>
@@ -8175,7 +7922,7 @@
               <a:t>Course </a:t>
             </a:r>
             <a:r>
-              <a:rPr lang="en-US" sz="2500" b="0" strike="noStrike" spc="-1" dirty="0" err="1" smtClean="0">
+              <a:rPr lang="en-US" sz="2500" b="0" strike="noStrike" spc="-1" dirty="0" err="1">
                 <a:solidFill>
                   <a:srgbClr val="8B8B8B"/>
                 </a:solidFill>
@@ -8391,7 +8138,7 @@
               <a:buChar char="•"/>
             </a:pPr>
             <a:r>
-              <a:rPr lang="en-US" sz="3200" spc="-1" dirty="0" smtClean="0">
+              <a:rPr lang="en-US" sz="3200" spc="-1" dirty="0">
                 <a:solidFill>
                   <a:srgbClr val="000000"/>
                 </a:solidFill>
@@ -8405,7 +8152,7 @@
               <a:t>We</a:t>
             </a:r>
             <a:r>
-              <a:rPr lang="en-US" sz="3200" b="0" strike="noStrike" spc="-1" dirty="0" smtClean="0">
+              <a:rPr lang="en-US" sz="3200" b="0" strike="noStrike" spc="-1" dirty="0">
                 <a:solidFill>
                   <a:srgbClr val="000000"/>
                 </a:solidFill>
@@ -8416,21 +8163,7 @@
                 </a:uFill>
                 <a:latin typeface="Calibri"/>
               </a:rPr>
-              <a:t> </a:t>
-            </a:r>
-            <a:r>
-              <a:rPr lang="en-US" sz="3200" b="0" strike="noStrike" spc="-1" dirty="0">
-                <a:solidFill>
-                  <a:srgbClr val="000000"/>
-                </a:solidFill>
-                <a:uFill>
-                  <a:solidFill>
-                    <a:srgbClr val="FFFFFF"/>
-                  </a:solidFill>
-                </a:uFill>
-                <a:latin typeface="Calibri"/>
-              </a:rPr>
-              <a:t>treat them very seriously too...usually reading them multiple times</a:t>
+              <a:t> treat them very seriously too...usually reading them multiple times</a:t>
             </a:r>
           </a:p>
           <a:p>
@@ -8482,63 +8215,7 @@
                 </a:uFill>
                 <a:latin typeface="Calibri"/>
               </a:rPr>
-              <a:t>If you liked the course, don’t say nice things about </a:t>
-            </a:r>
-            <a:r>
-              <a:rPr lang="en-US" sz="3200" b="0" strike="noStrike" spc="-1" dirty="0" smtClean="0">
-                <a:solidFill>
-                  <a:srgbClr val="000000"/>
-                </a:solidFill>
-                <a:uFill>
-                  <a:solidFill>
-                    <a:srgbClr val="FFFFFF"/>
-                  </a:solidFill>
-                </a:uFill>
-                <a:latin typeface="Calibri"/>
-              </a:rPr>
-              <a:t>us (though we </a:t>
-            </a:r>
-            <a:r>
-              <a:rPr lang="en-US" sz="3200" b="0" strike="noStrike" spc="-1" dirty="0">
-                <a:solidFill>
-                  <a:srgbClr val="000000"/>
-                </a:solidFill>
-                <a:uFill>
-                  <a:solidFill>
-                    <a:srgbClr val="FFFFFF"/>
-                  </a:solidFill>
-                </a:uFill>
-                <a:latin typeface="Calibri"/>
-              </a:rPr>
-              <a:t>like that of course</a:t>
-            </a:r>
-            <a:r>
-              <a:rPr lang="en-US" sz="3200" b="0" strike="noStrike" spc="-1" dirty="0" smtClean="0">
-                <a:solidFill>
-                  <a:srgbClr val="000000"/>
-                </a:solidFill>
-                <a:uFill>
-                  <a:solidFill>
-                    <a:srgbClr val="FFFFFF"/>
-                  </a:solidFill>
-                </a:uFill>
-                <a:latin typeface="Calibri"/>
-              </a:rPr>
-              <a:t>), </a:t>
-            </a:r>
-            <a:r>
-              <a:rPr lang="en-US" sz="3200" b="0" strike="noStrike" spc="-1" dirty="0">
-                <a:solidFill>
-                  <a:srgbClr val="000000"/>
-                </a:solidFill>
-                <a:uFill>
-                  <a:solidFill>
-                    <a:srgbClr val="FFFFFF"/>
-                  </a:solidFill>
-                </a:uFill>
-                <a:latin typeface="Calibri"/>
-              </a:rPr>
-              <a:t>tell me what topics you thought were most exciting or useful</a:t>
+              <a:t>If you liked the course, don’t say nice things about us (though we like that of course), tell me what topics you thought were most exciting or useful</a:t>
             </a:r>
           </a:p>
         </p:txBody>
@@ -8602,401 +8279,6 @@
       </p:grpSpPr>
       <p:sp>
         <p:nvSpPr>
-          <p:cNvPr id="127" name="TextShape 1"/>
-          <p:cNvSpPr txBox="1"/>
-          <p:nvPr/>
-        </p:nvSpPr>
-        <p:spPr>
-          <a:xfrm>
-            <a:off x="457200" y="274680"/>
-            <a:ext cx="8229240" cy="1142640"/>
-          </a:xfrm>
-          <a:prstGeom prst="rect">
-            <a:avLst/>
-          </a:prstGeom>
-          <a:noFill/>
-          <a:ln>
-            <a:noFill/>
-          </a:ln>
-        </p:spPr>
-        <p:txBody>
-          <a:bodyPr anchor="ctr"/>
-          <a:lstStyle/>
-          <a:p>
-            <a:pPr algn="ctr">
-              <a:lnSpc>
-                <a:spcPct val="100000"/>
-              </a:lnSpc>
-            </a:pPr>
-            <a:r>
-              <a:rPr lang="en-US" sz="4400" spc="-1" dirty="0">
-                <a:solidFill>
-                  <a:srgbClr val="000000"/>
-                </a:solidFill>
-                <a:uFill>
-                  <a:solidFill>
-                    <a:srgbClr val="FFFFFF"/>
-                  </a:solidFill>
-                </a:uFill>
-                <a:latin typeface="Calibri"/>
-              </a:rPr>
-              <a:t>Next </a:t>
-            </a:r>
-            <a:r>
-              <a:rPr lang="en-US" sz="4400" spc="-1" dirty="0" smtClean="0">
-                <a:solidFill>
-                  <a:srgbClr val="000000"/>
-                </a:solidFill>
-                <a:uFill>
-                  <a:solidFill>
-                    <a:srgbClr val="FFFFFF"/>
-                  </a:solidFill>
-                </a:uFill>
-                <a:latin typeface="Calibri"/>
-              </a:rPr>
-              <a:t>Class: Your Presentations</a:t>
-            </a:r>
-            <a:endParaRPr lang="en-US" sz="1800" b="0" strike="noStrike" spc="-1" dirty="0">
-              <a:solidFill>
-                <a:srgbClr val="000000"/>
-              </a:solidFill>
-              <a:uFill>
-                <a:solidFill>
-                  <a:srgbClr val="FFFFFF"/>
-                </a:solidFill>
-              </a:uFill>
-              <a:latin typeface="Calibri"/>
-            </a:endParaRPr>
-          </a:p>
-        </p:txBody>
-      </p:sp>
-      <p:sp>
-        <p:nvSpPr>
-          <p:cNvPr id="128" name="TextShape 2"/>
-          <p:cNvSpPr txBox="1"/>
-          <p:nvPr/>
-        </p:nvSpPr>
-        <p:spPr>
-          <a:xfrm>
-            <a:off x="457200" y="1600200"/>
-            <a:ext cx="8229240" cy="4525560"/>
-          </a:xfrm>
-          <a:prstGeom prst="rect">
-            <a:avLst/>
-          </a:prstGeom>
-          <a:noFill/>
-          <a:ln>
-            <a:noFill/>
-          </a:ln>
-        </p:spPr>
-        <p:txBody>
-          <a:bodyPr/>
-          <a:lstStyle/>
-          <a:p>
-            <a:pPr marL="343080" indent="-342720">
-              <a:lnSpc>
-                <a:spcPct val="100000"/>
-              </a:lnSpc>
-              <a:buClr>
-                <a:srgbClr val="000000"/>
-              </a:buClr>
-              <a:buFont typeface="Arial"/>
-              <a:buChar char="•"/>
-            </a:pPr>
-            <a:r>
-              <a:rPr lang="en-US" sz="3200" b="0" strike="noStrike" spc="-1">
-                <a:solidFill>
-                  <a:srgbClr val="000000"/>
-                </a:solidFill>
-                <a:uFill>
-                  <a:solidFill>
-                    <a:srgbClr val="FFFFFF"/>
-                  </a:solidFill>
-                </a:uFill>
-                <a:latin typeface="Calibri"/>
-              </a:rPr>
-              <a:t>8 minutes long</a:t>
-            </a:r>
-          </a:p>
-          <a:p>
-            <a:pPr marL="343080" indent="-342720">
-              <a:lnSpc>
-                <a:spcPct val="100000"/>
-              </a:lnSpc>
-              <a:buClr>
-                <a:srgbClr val="000000"/>
-              </a:buClr>
-              <a:buFont typeface="Arial"/>
-              <a:buChar char="•"/>
-            </a:pPr>
-            <a:r>
-              <a:rPr lang="en-US" sz="3200" b="0" strike="noStrike" spc="-1">
-                <a:solidFill>
-                  <a:srgbClr val="000000"/>
-                </a:solidFill>
-                <a:uFill>
-                  <a:solidFill>
-                    <a:srgbClr val="FFFFFF"/>
-                  </a:solidFill>
-                </a:uFill>
-                <a:latin typeface="Calibri"/>
-              </a:rPr>
-              <a:t>~3 minutes showing off your extra features</a:t>
-            </a:r>
-          </a:p>
-          <a:p>
-            <a:pPr marL="343080" indent="-342720">
-              <a:lnSpc>
-                <a:spcPct val="100000"/>
-              </a:lnSpc>
-              <a:buClr>
-                <a:srgbClr val="000000"/>
-              </a:buClr>
-              <a:buFont typeface="Arial"/>
-              <a:buChar char="•"/>
-            </a:pPr>
-            <a:r>
-              <a:rPr lang="en-US" sz="3200" b="0" strike="noStrike" spc="-1">
-                <a:solidFill>
-                  <a:srgbClr val="000000"/>
-                </a:solidFill>
-                <a:uFill>
-                  <a:solidFill>
-                    <a:srgbClr val="FFFFFF"/>
-                  </a:solidFill>
-                </a:uFill>
-                <a:latin typeface="Calibri"/>
-              </a:rPr>
-              <a:t>~5 minutes explaining JUST ONE technical decision in detail</a:t>
-            </a:r>
-          </a:p>
-          <a:p>
-            <a:pPr marL="864000" lvl="1" indent="-324000">
-              <a:buClr>
-                <a:srgbClr val="000000"/>
-              </a:buClr>
-              <a:buSzPct val="75000"/>
-              <a:buFont typeface="Symbol" charset="2"/>
-              <a:buChar char=""/>
-            </a:pPr>
-            <a:r>
-              <a:rPr lang="en-US" sz="3200" b="0" strike="noStrike" spc="-1">
-                <a:solidFill>
-                  <a:srgbClr val="000000"/>
-                </a:solidFill>
-                <a:uFill>
-                  <a:solidFill>
-                    <a:srgbClr val="FFFFFF"/>
-                  </a:solidFill>
-                </a:uFill>
-                <a:latin typeface="Calibri"/>
-              </a:rPr>
-              <a:t>Could be a design decision, feature implementation, or tricky bug</a:t>
-            </a:r>
-            <a:endParaRPr lang="en-US" sz="2400" b="0" strike="noStrike" spc="-1">
-              <a:solidFill>
-                <a:srgbClr val="000000"/>
-              </a:solidFill>
-              <a:uFill>
-                <a:solidFill>
-                  <a:srgbClr val="FFFFFF"/>
-                </a:solidFill>
-              </a:uFill>
-              <a:latin typeface="Calibri"/>
-            </a:endParaRPr>
-          </a:p>
-          <a:p>
-            <a:pPr marL="864000" lvl="1" indent="-324000">
-              <a:buClr>
-                <a:srgbClr val="000000"/>
-              </a:buClr>
-              <a:buSzPct val="75000"/>
-              <a:buFont typeface="Symbol" charset="2"/>
-              <a:buChar char=""/>
-            </a:pPr>
-            <a:r>
-              <a:rPr lang="en-US" sz="3200" b="0" strike="noStrike" spc="-1">
-                <a:solidFill>
-                  <a:srgbClr val="000000"/>
-                </a:solidFill>
-                <a:uFill>
-                  <a:solidFill>
-                    <a:srgbClr val="FFFFFF"/>
-                  </a:solidFill>
-                </a:uFill>
-                <a:latin typeface="Calibri"/>
-              </a:rPr>
-              <a:t>Be careful about code examples (good – but in moderation)</a:t>
-            </a:r>
-            <a:endParaRPr lang="en-US" sz="2400" b="0" strike="noStrike" spc="-1">
-              <a:solidFill>
-                <a:srgbClr val="000000"/>
-              </a:solidFill>
-              <a:uFill>
-                <a:solidFill>
-                  <a:srgbClr val="FFFFFF"/>
-                </a:solidFill>
-              </a:uFill>
-              <a:latin typeface="Calibri"/>
-            </a:endParaRPr>
-          </a:p>
-          <a:p>
-            <a:pPr marL="864000" lvl="1" indent="-324000">
-              <a:buClr>
-                <a:srgbClr val="000000"/>
-              </a:buClr>
-              <a:buSzPct val="75000"/>
-              <a:buFont typeface="Symbol" charset="2"/>
-              <a:buChar char=""/>
-            </a:pPr>
-            <a:r>
-              <a:rPr lang="en-US" sz="3200" b="0" strike="noStrike" spc="-1">
-                <a:solidFill>
-                  <a:srgbClr val="000000"/>
-                </a:solidFill>
-                <a:uFill>
-                  <a:solidFill>
-                    <a:srgbClr val="FFFFFF"/>
-                  </a:solidFill>
-                </a:uFill>
-                <a:latin typeface="Calibri"/>
-              </a:rPr>
-              <a:t>Should include prepared slides usually including diagrams</a:t>
-            </a:r>
-            <a:endParaRPr lang="en-US" sz="2400" b="0" strike="noStrike" spc="-1">
-              <a:solidFill>
-                <a:srgbClr val="000000"/>
-              </a:solidFill>
-              <a:uFill>
-                <a:solidFill>
-                  <a:srgbClr val="FFFFFF"/>
-                </a:solidFill>
-              </a:uFill>
-              <a:latin typeface="Calibri"/>
-            </a:endParaRPr>
-          </a:p>
-        </p:txBody>
-      </p:sp>
-    </p:spTree>
-    <p:extLst>
-      <p:ext uri="{BB962C8B-B14F-4D97-AF65-F5344CB8AC3E}">
-        <p14:creationId xmlns:p14="http://schemas.microsoft.com/office/powerpoint/2010/main" val="385246399"/>
-      </p:ext>
-    </p:extLst>
-  </p:cSld>
-  <p:clrMapOvr>
-    <a:masterClrMapping/>
-  </p:clrMapOvr>
-  <p:timing>
-    <p:tnLst>
-      <p:par>
-        <p:cTn id="1" dur="indefinite" restart="never" nodeType="tmRoot">
-          <p:childTnLst>
-            <p:seq>
-              <p:cTn id="2" nodeType="mainSeq"/>
-              <p:prevCondLst>
-                <p:cond evt="onPrev" delay="0">
-                  <p:tgtEl>
-                    <p:sldTgt/>
-                  </p:tgtEl>
-                </p:cond>
-              </p:prevCondLst>
-              <p:nextCondLst>
-                <p:cond evt="onNext" delay="0">
-                  <p:tgtEl>
-                    <p:sldTgt/>
-                  </p:tgtEl>
-                </p:cond>
-              </p:nextCondLst>
-            </p:seq>
-          </p:childTnLst>
-        </p:cTn>
-      </p:par>
-    </p:tnLst>
-  </p:timing>
-</p:sld>
-</file>
-
-<file path=ppt/slides/slide4.xml><?xml version="1.0" encoding="utf-8"?>
-<p:sld xmlns:a="http://schemas.openxmlformats.org/drawingml/2006/main" xmlns:r="http://schemas.openxmlformats.org/officeDocument/2006/relationships" xmlns:p="http://schemas.openxmlformats.org/presentationml/2006/main">
-  <p:cSld>
-    <p:spTree>
-      <p:nvGrpSpPr>
-        <p:cNvPr id="1" name=""/>
-        <p:cNvGrpSpPr/>
-        <p:nvPr/>
-      </p:nvGrpSpPr>
-      <p:grpSpPr>
-        <a:xfrm>
-          <a:off x="0" y="0"/>
-          <a:ext cx="0" cy="0"/>
-          <a:chOff x="0" y="0"/>
-          <a:chExt cx="0" cy="0"/>
-        </a:xfrm>
-      </p:grpSpPr>
-      <p:pic>
-        <p:nvPicPr>
-          <p:cNvPr id="4" name="Picture 3"/>
-          <p:cNvPicPr>
-            <a:picLocks noChangeAspect="1"/>
-          </p:cNvPicPr>
-          <p:nvPr/>
-        </p:nvPicPr>
-        <p:blipFill>
-          <a:blip r:embed="rId3"/>
-          <a:stretch>
-            <a:fillRect/>
-          </a:stretch>
-        </p:blipFill>
-        <p:spPr>
-          <a:xfrm>
-            <a:off x="939531" y="192504"/>
-            <a:ext cx="7048370" cy="6665496"/>
-          </a:xfrm>
-          <a:prstGeom prst="rect">
-            <a:avLst/>
-          </a:prstGeom>
-        </p:spPr>
-      </p:pic>
-    </p:spTree>
-    <p:extLst>
-      <p:ext uri="{BB962C8B-B14F-4D97-AF65-F5344CB8AC3E}">
-        <p14:creationId xmlns:p14="http://schemas.microsoft.com/office/powerpoint/2010/main" val="482055077"/>
-      </p:ext>
-    </p:extLst>
-  </p:cSld>
-  <p:clrMapOvr>
-    <a:masterClrMapping/>
-  </p:clrMapOvr>
-  <p:timing>
-    <p:tnLst>
-      <p:par>
-        <p:cTn id="1" dur="indefinite" restart="never" nodeType="tmRoot"/>
-      </p:par>
-    </p:tnLst>
-  </p:timing>
-</p:sld>
-</file>
-
-<file path=ppt/slides/slide5.xml><?xml version="1.0" encoding="utf-8"?>
-<p:sld xmlns:a="http://schemas.openxmlformats.org/drawingml/2006/main" xmlns:r="http://schemas.openxmlformats.org/officeDocument/2006/relationships" xmlns:p="http://schemas.openxmlformats.org/presentationml/2006/main">
-  <p:cSld>
-    <p:spTree>
-      <p:nvGrpSpPr>
-        <p:cNvPr id="1" name=""/>
-        <p:cNvGrpSpPr/>
-        <p:nvPr/>
-      </p:nvGrpSpPr>
-      <p:grpSpPr>
-        <a:xfrm>
-          <a:off x="0" y="0"/>
-          <a:ext cx="0" cy="0"/>
-          <a:chOff x="0" y="0"/>
-          <a:chExt cx="0" cy="0"/>
-        </a:xfrm>
-      </p:grpSpPr>
-      <p:sp>
-        <p:nvSpPr>
           <p:cNvPr id="178" name="TextShape 1"/>
           <p:cNvSpPr txBox="1"/>
           <p:nvPr/>
@@ -9123,21 +8405,7 @@
                 </a:uFill>
                 <a:latin typeface="Calibri"/>
               </a:rPr>
-              <a:t>PRESENTATION IS </a:t>
-            </a:r>
-            <a:r>
-              <a:rPr lang="en-US" sz="2000" b="0" i="1" strike="noStrike" spc="-1" dirty="0" smtClean="0">
-                <a:solidFill>
-                  <a:srgbClr val="8B8B8B"/>
-                </a:solidFill>
-                <a:uFill>
-                  <a:solidFill>
-                    <a:srgbClr val="FFFFFF"/>
-                  </a:solidFill>
-                </a:uFill>
-                <a:latin typeface="Calibri"/>
-              </a:rPr>
-              <a:t>TOMORROW!!!</a:t>
+              <a:t>PRESENTATION IS NEXT CLASS!!!</a:t>
             </a:r>
             <a:endParaRPr lang="en-US" sz="3200" b="0" strike="noStrike" spc="-1" dirty="0">
               <a:solidFill>
